--- a/manuscript/Revised/manuscript/Fig1.pptx
+++ b/manuscript/Revised/manuscript/Fig1.pptx
@@ -3508,7 +3508,7 @@
                   <a:schemeClr val="tx1"/>
                 </a:solidFill>
               </a:rPr>
-              <a:t>3D protein Data set</a:t>
+              <a:t>3D protein Data set, 6990 protein</a:t>
             </a:r>
           </a:p>
         </p:txBody>
@@ -4711,13 +4711,13 @@
           <p:nvPr>
             <p:extLst>
               <p:ext uri="{D42A27DB-BD31-4B8C-83A1-F6EECF244321}">
-                <p14:modId xmlns:p14="http://schemas.microsoft.com/office/powerpoint/2010/main" val="1170125761"/>
+                <p14:modId xmlns:p14="http://schemas.microsoft.com/office/powerpoint/2010/main" val="733091779"/>
               </p:ext>
             </p:extLst>
           </p:nvPr>
         </p:nvGraphicFramePr>
         <p:xfrm>
-          <a:off x="6610318" y="2498134"/>
+          <a:off x="9989059" y="4515893"/>
           <a:ext cx="2005898" cy="534661"/>
         </p:xfrm>
         <a:graphic>
@@ -5755,7 +5755,7 @@
         </p:nvSpPr>
         <p:spPr>
           <a:xfrm>
-            <a:off x="790354" y="765236"/>
+            <a:off x="458697" y="744602"/>
             <a:ext cx="1183304" cy="369332"/>
           </a:xfrm>
           <a:prstGeom prst="rect">
@@ -8277,6 +8277,46 @@
           </p:style>
         </p:cxnSp>
       </p:grpSp>
+      <p:pic>
+        <p:nvPicPr>
+          <p:cNvPr id="8" name="Picture 7">
+            <a:extLst>
+              <a:ext uri="{FF2B5EF4-FFF2-40B4-BE49-F238E27FC236}">
+                <a16:creationId xmlns:a16="http://schemas.microsoft.com/office/drawing/2014/main" id="{C34BC321-4D05-33A3-499C-FE73EC70C1E0}"/>
+              </a:ext>
+            </a:extLst>
+          </p:cNvPr>
+          <p:cNvPicPr>
+            <a:picLocks noChangeAspect="1"/>
+          </p:cNvPicPr>
+          <p:nvPr/>
+        </p:nvPicPr>
+        <p:blipFill>
+          <a:blip r:embed="rId3">
+            <a:clrChange>
+              <a:clrFrom>
+                <a:srgbClr val="F2F2F2"/>
+              </a:clrFrom>
+              <a:clrTo>
+                <a:srgbClr val="F2F2F2">
+                  <a:alpha val="0"/>
+                </a:srgbClr>
+              </a:clrTo>
+            </a:clrChange>
+          </a:blip>
+          <a:srcRect l="39341" t="17736" r="15625" b="1765"/>
+          <a:stretch/>
+        </p:blipFill>
+        <p:spPr>
+          <a:xfrm>
+            <a:off x="5246123" y="1854383"/>
+            <a:ext cx="1954663" cy="2261919"/>
+          </a:xfrm>
+          <a:prstGeom prst="rect">
+            <a:avLst/>
+          </a:prstGeom>
+        </p:spPr>
+      </p:pic>
     </p:spTree>
     <p:extLst>
       <p:ext uri="{BB962C8B-B14F-4D97-AF65-F5344CB8AC3E}">
